--- a/Shodan API/RINSD-Slides.pptx
+++ b/Shodan API/RINSD-Slides.pptx
@@ -5,7 +5,7 @@
     <p:sldMasterId id="2147483648" r:id="rId1"/>
   </p:sldMasterIdLst>
   <p:notesMasterIdLst>
-    <p:notesMasterId r:id="rId11"/>
+    <p:notesMasterId r:id="rId12"/>
   </p:notesMasterIdLst>
   <p:sldIdLst>
     <p:sldId id="256" r:id="rId2"/>
@@ -17,6 +17,7 @@
     <p:sldId id="258" r:id="rId8"/>
     <p:sldId id="260" r:id="rId9"/>
     <p:sldId id="264" r:id="rId10"/>
+    <p:sldId id="265" r:id="rId11"/>
   </p:sldIdLst>
   <p:sldSz cx="9144000" cy="5143500" type="screen16x9"/>
   <p:notesSz cx="6858000" cy="9144000"/>
@@ -755,6 +756,90 @@
     <p:extLst>
       <p:ext uri="{BB962C8B-B14F-4D97-AF65-F5344CB8AC3E}">
         <p14:creationId xmlns:p14="http://schemas.microsoft.com/office/powerpoint/2010/main" val="733611515"/>
+      </p:ext>
+    </p:extLst>
+  </p:cSld>
+  <p:clrMapOvr>
+    <a:masterClrMapping/>
+  </p:clrMapOvr>
+</p:notes>
+</file>
+
+<file path=ppt/notesSlides/notesSlide4.xml><?xml version="1.0" encoding="utf-8"?>
+<p:notes xmlns:a="http://schemas.openxmlformats.org/drawingml/2006/main" xmlns:r="http://schemas.openxmlformats.org/officeDocument/2006/relationships" xmlns:p="http://schemas.openxmlformats.org/presentationml/2006/main">
+  <p:cSld>
+    <p:spTree>
+      <p:nvGrpSpPr>
+        <p:cNvPr id="1" name=""/>
+        <p:cNvGrpSpPr/>
+        <p:nvPr/>
+      </p:nvGrpSpPr>
+      <p:grpSpPr>
+        <a:xfrm>
+          <a:off x="0" y="0"/>
+          <a:ext cx="0" cy="0"/>
+          <a:chOff x="0" y="0"/>
+          <a:chExt cx="0" cy="0"/>
+        </a:xfrm>
+      </p:grpSpPr>
+      <p:sp>
+        <p:nvSpPr>
+          <p:cNvPr id="2" name="Slide Image Placeholder 1"/>
+          <p:cNvSpPr>
+            <a:spLocks noGrp="1" noRot="1" noChangeAspect="1"/>
+          </p:cNvSpPr>
+          <p:nvPr>
+            <p:ph type="sldImg"/>
+          </p:nvPr>
+        </p:nvSpPr>
+        <p:spPr/>
+      </p:sp>
+      <p:sp>
+        <p:nvSpPr>
+          <p:cNvPr id="3" name="Notes Placeholder 2"/>
+          <p:cNvSpPr>
+            <a:spLocks noGrp="1"/>
+          </p:cNvSpPr>
+          <p:nvPr>
+            <p:ph type="body" idx="1"/>
+          </p:nvPr>
+        </p:nvSpPr>
+        <p:spPr/>
+        <p:txBody>
+          <a:bodyPr/>
+          <a:lstStyle/>
+          <a:p>
+            <a:endParaRPr lang="en-US"/>
+          </a:p>
+        </p:txBody>
+      </p:sp>
+      <p:sp>
+        <p:nvSpPr>
+          <p:cNvPr id="4" name="Slide Number Placeholder 3"/>
+          <p:cNvSpPr>
+            <a:spLocks noGrp="1"/>
+          </p:cNvSpPr>
+          <p:nvPr>
+            <p:ph type="sldNum" sz="quarter" idx="10"/>
+          </p:nvPr>
+        </p:nvSpPr>
+        <p:spPr/>
+        <p:txBody>
+          <a:bodyPr/>
+          <a:lstStyle/>
+          <a:p>
+            <a:fld id="{87350B06-B074-48FC-8CFD-53D2CD8FB95F}" type="slidenum">
+              <a:rPr lang="en-US" smtClean="0"/>
+              <a:t>10</a:t>
+            </a:fld>
+            <a:endParaRPr lang="en-US"/>
+          </a:p>
+        </p:txBody>
+      </p:sp>
+    </p:spTree>
+    <p:extLst>
+      <p:ext uri="{BB962C8B-B14F-4D97-AF65-F5344CB8AC3E}">
+        <p14:creationId xmlns:p14="http://schemas.microsoft.com/office/powerpoint/2010/main" val="1421682374"/>
       </p:ext>
     </p:extLst>
   </p:cSld>
@@ -4351,6 +4436,254 @@
 </p:sld>
 </file>
 
+<file path=ppt/slides/slide10.xml><?xml version="1.0" encoding="utf-8"?>
+<p:sld xmlns:a="http://schemas.openxmlformats.org/drawingml/2006/main" xmlns:r="http://schemas.openxmlformats.org/officeDocument/2006/relationships" xmlns:p="http://schemas.openxmlformats.org/presentationml/2006/main">
+  <p:cSld>
+    <p:spTree>
+      <p:nvGrpSpPr>
+        <p:cNvPr id="1" name=""/>
+        <p:cNvGrpSpPr/>
+        <p:nvPr/>
+      </p:nvGrpSpPr>
+      <p:grpSpPr>
+        <a:xfrm>
+          <a:off x="0" y="0"/>
+          <a:ext cx="0" cy="0"/>
+          <a:chOff x="0" y="0"/>
+          <a:chExt cx="0" cy="0"/>
+        </a:xfrm>
+      </p:grpSpPr>
+      <p:sp>
+        <p:nvSpPr>
+          <p:cNvPr id="4" name="Title 3">
+            <a:extLst>
+              <a:ext uri="{FF2B5EF4-FFF2-40B4-BE49-F238E27FC236}">
+                <a16:creationId xmlns:a16="http://schemas.microsoft.com/office/drawing/2014/main" id="{DB092E41-3F54-4393-932A-88AD7131BE0F}"/>
+              </a:ext>
+            </a:extLst>
+          </p:cNvPr>
+          <p:cNvSpPr txBox="1">
+            <a:spLocks/>
+          </p:cNvSpPr>
+          <p:nvPr/>
+        </p:nvSpPr>
+        <p:spPr>
+          <a:xfrm>
+            <a:off x="3626659" y="138211"/>
+            <a:ext cx="5700221" cy="763525"/>
+          </a:xfrm>
+          <a:prstGeom prst="rect">
+            <a:avLst/>
+          </a:prstGeom>
+        </p:spPr>
+        <p:txBody>
+          <a:bodyPr>
+            <a:normAutofit/>
+          </a:bodyPr>
+          <a:lstStyle>
+            <a:lvl1pPr algn="ctr" defTabSz="914400" rtl="0" eaLnBrk="1" latinLnBrk="0" hangingPunct="1">
+              <a:spcBef>
+                <a:spcPct val="0"/>
+              </a:spcBef>
+              <a:buNone/>
+              <a:defRPr sz="4400" kern="1200">
+                <a:solidFill>
+                  <a:schemeClr val="tx1"/>
+                </a:solidFill>
+                <a:latin typeface="+mj-lt"/>
+                <a:ea typeface="+mj-ea"/>
+                <a:cs typeface="+mj-cs"/>
+              </a:defRPr>
+            </a:lvl1pPr>
+          </a:lstStyle>
+          <a:p>
+            <a:r>
+              <a:rPr lang="en-US" dirty="0"/>
+              <a:t>Toolbox</a:t>
+            </a:r>
+          </a:p>
+        </p:txBody>
+      </p:sp>
+      <p:sp>
+        <p:nvSpPr>
+          <p:cNvPr id="15" name="TextBox 14">
+            <a:extLst>
+              <a:ext uri="{FF2B5EF4-FFF2-40B4-BE49-F238E27FC236}">
+                <a16:creationId xmlns:a16="http://schemas.microsoft.com/office/drawing/2014/main" id="{347D1D77-0A10-47FC-A994-7DE5808EF0C5}"/>
+              </a:ext>
+            </a:extLst>
+          </p:cNvPr>
+          <p:cNvSpPr txBox="1"/>
+          <p:nvPr/>
+        </p:nvSpPr>
+        <p:spPr>
+          <a:xfrm>
+            <a:off x="1527916" y="1770248"/>
+            <a:ext cx="2824345" cy="1477328"/>
+          </a:xfrm>
+          <a:prstGeom prst="rect">
+            <a:avLst/>
+          </a:prstGeom>
+          <a:noFill/>
+        </p:spPr>
+        <p:txBody>
+          <a:bodyPr wrap="square" rtlCol="0">
+            <a:spAutoFit/>
+          </a:bodyPr>
+          <a:lstStyle/>
+          <a:p>
+            <a:pPr marL="285750" indent="-285750">
+              <a:buFont typeface="Arial" panose="020B0604020202020204" pitchFamily="34" charset="0"/>
+              <a:buChar char="•"/>
+            </a:pPr>
+            <a:r>
+              <a:rPr lang="en-US" dirty="0"/>
+              <a:t>MongoDB</a:t>
+            </a:r>
+          </a:p>
+          <a:p>
+            <a:pPr marL="285750" indent="-285750">
+              <a:buFont typeface="Arial" panose="020B0604020202020204" pitchFamily="34" charset="0"/>
+              <a:buChar char="•"/>
+            </a:pPr>
+            <a:r>
+              <a:rPr lang="en-US" dirty="0" err="1"/>
+              <a:t>BeautifulSoup</a:t>
+            </a:r>
+            <a:endParaRPr lang="en-US" dirty="0"/>
+          </a:p>
+          <a:p>
+            <a:pPr marL="285750" indent="-285750">
+              <a:buFont typeface="Arial" panose="020B0604020202020204" pitchFamily="34" charset="0"/>
+              <a:buChar char="•"/>
+            </a:pPr>
+            <a:r>
+              <a:rPr lang="en-US" dirty="0"/>
+              <a:t>Selenium WebDriver</a:t>
+            </a:r>
+          </a:p>
+          <a:p>
+            <a:pPr marL="285750" indent="-285750">
+              <a:buFont typeface="Arial" panose="020B0604020202020204" pitchFamily="34" charset="0"/>
+              <a:buChar char="•"/>
+            </a:pPr>
+            <a:r>
+              <a:rPr lang="en-US" dirty="0"/>
+              <a:t>Python/</a:t>
+            </a:r>
+            <a:r>
+              <a:rPr lang="en-US" dirty="0" err="1"/>
+              <a:t>Jupyter</a:t>
+            </a:r>
+            <a:endParaRPr lang="en-US" dirty="0"/>
+          </a:p>
+          <a:p>
+            <a:pPr marL="285750" indent="-285750">
+              <a:buFont typeface="Arial" panose="020B0604020202020204" pitchFamily="34" charset="0"/>
+              <a:buChar char="•"/>
+            </a:pPr>
+            <a:r>
+              <a:rPr lang="en-US" dirty="0"/>
+              <a:t>Flask</a:t>
+            </a:r>
+          </a:p>
+        </p:txBody>
+      </p:sp>
+      <p:sp>
+        <p:nvSpPr>
+          <p:cNvPr id="2" name="TextBox 1">
+            <a:extLst>
+              <a:ext uri="{FF2B5EF4-FFF2-40B4-BE49-F238E27FC236}">
+                <a16:creationId xmlns:a16="http://schemas.microsoft.com/office/drawing/2014/main" id="{9A69C6F5-D4E9-4A33-B3E6-132D1FD031F9}"/>
+              </a:ext>
+            </a:extLst>
+          </p:cNvPr>
+          <p:cNvSpPr txBox="1"/>
+          <p:nvPr/>
+        </p:nvSpPr>
+        <p:spPr>
+          <a:xfrm>
+            <a:off x="4919332" y="1694587"/>
+            <a:ext cx="2899144" cy="1754326"/>
+          </a:xfrm>
+          <a:prstGeom prst="rect">
+            <a:avLst/>
+          </a:prstGeom>
+          <a:noFill/>
+        </p:spPr>
+        <p:txBody>
+          <a:bodyPr wrap="square" rtlCol="0">
+            <a:spAutoFit/>
+          </a:bodyPr>
+          <a:lstStyle/>
+          <a:p>
+            <a:pPr marL="285750" indent="-285750">
+              <a:buFont typeface="Arial" panose="020B0604020202020204" pitchFamily="34" charset="0"/>
+              <a:buChar char="•"/>
+            </a:pPr>
+            <a:r>
+              <a:rPr lang="en-US" dirty="0"/>
+              <a:t>Jinja2</a:t>
+            </a:r>
+          </a:p>
+          <a:p>
+            <a:pPr marL="285750" indent="-285750">
+              <a:buFont typeface="Arial" panose="020B0604020202020204" pitchFamily="34" charset="0"/>
+              <a:buChar char="•"/>
+            </a:pPr>
+            <a:r>
+              <a:rPr lang="en-US" dirty="0"/>
+              <a:t>JavaScript</a:t>
+            </a:r>
+          </a:p>
+          <a:p>
+            <a:pPr marL="285750" indent="-285750">
+              <a:buFont typeface="Arial" panose="020B0604020202020204" pitchFamily="34" charset="0"/>
+              <a:buChar char="•"/>
+            </a:pPr>
+            <a:r>
+              <a:rPr lang="en-US" dirty="0"/>
+              <a:t>HTML</a:t>
+            </a:r>
+          </a:p>
+          <a:p>
+            <a:pPr marL="285750" indent="-285750">
+              <a:buFont typeface="Arial" panose="020B0604020202020204" pitchFamily="34" charset="0"/>
+              <a:buChar char="•"/>
+            </a:pPr>
+            <a:r>
+              <a:rPr lang="en-US" dirty="0"/>
+              <a:t>CSS</a:t>
+            </a:r>
+          </a:p>
+          <a:p>
+            <a:pPr marL="285750" indent="-285750">
+              <a:buFont typeface="Arial" panose="020B0604020202020204" pitchFamily="34" charset="0"/>
+              <a:buChar char="•"/>
+            </a:pPr>
+            <a:r>
+              <a:rPr lang="en-US" dirty="0"/>
+              <a:t>Achilles Shodan Wrapper</a:t>
+            </a:r>
+          </a:p>
+          <a:p>
+            <a:endParaRPr lang="en-US" dirty="0"/>
+          </a:p>
+        </p:txBody>
+      </p:sp>
+    </p:spTree>
+    <p:extLst>
+      <p:ext uri="{BB962C8B-B14F-4D97-AF65-F5344CB8AC3E}">
+        <p14:creationId xmlns:p14="http://schemas.microsoft.com/office/powerpoint/2010/main" val="735470251"/>
+      </p:ext>
+    </p:extLst>
+  </p:cSld>
+  <p:clrMapOvr>
+    <a:masterClrMapping/>
+  </p:clrMapOvr>
+</p:sld>
+</file>
+
 <file path=ppt/slides/slide2.xml><?xml version="1.0" encoding="utf-8"?>
 <p:sld xmlns:a="http://schemas.openxmlformats.org/drawingml/2006/main" xmlns:r="http://schemas.openxmlformats.org/officeDocument/2006/relationships" xmlns:p="http://schemas.openxmlformats.org/presentationml/2006/main">
   <p:cSld>
@@ -6740,8 +7073,8 @@
         </p:nvSpPr>
         <p:spPr>
           <a:xfrm>
-            <a:off x="6303645" y="2948133"/>
-            <a:ext cx="781050" cy="117869"/>
+            <a:off x="6568013" y="2377477"/>
+            <a:ext cx="1370963" cy="590509"/>
           </a:xfrm>
           <a:prstGeom prst="rect">
             <a:avLst/>
